--- a/05.5-quick-review.pptx
+++ b/05.5-quick-review.pptx
@@ -6,10 +6,10 @@
     <p:sldMasterId id="2147483668" r:id="rId2"/>
   </p:sldMasterIdLst>
   <p:notesMasterIdLst>
-    <p:notesMasterId r:id="rId17"/>
+    <p:notesMasterId r:id="rId16"/>
   </p:notesMasterIdLst>
   <p:handoutMasterIdLst>
-    <p:handoutMasterId r:id="rId18"/>
+    <p:handoutMasterId r:id="rId17"/>
   </p:handoutMasterIdLst>
   <p:sldIdLst>
     <p:sldId id="332" r:id="rId3"/>
@@ -25,7 +25,6 @@
     <p:sldId id="450" r:id="rId13"/>
     <p:sldId id="1820" r:id="rId14"/>
     <p:sldId id="353" r:id="rId15"/>
-    <p:sldId id="279" r:id="rId16"/>
   </p:sldIdLst>
   <p:sldSz cx="12188825" cy="6858000"/>
   <p:notesSz cx="7010400" cy="9296400"/>
@@ -7429,7 +7428,7 @@
           <a:p>
             <a:r>
               <a:rPr lang="en-US" dirty="0"/>
-              <a:t>Quick Update</a:t>
+              <a:t>Agile Methodologies Redux</a:t>
             </a:r>
           </a:p>
         </p:txBody>
@@ -7461,11 +7460,11 @@
           <a:lstStyle/>
           <a:p>
             <a:r>
-              <a:rPr lang="en-US" u="sng" dirty="0"/>
+              <a:rPr lang="en-US" dirty="0"/>
               <a:t>David E. Bernholdt</a:t>
             </a:r>
             <a:br>
-              <a:rPr lang="en-US" u="sng" dirty="0"/>
+              <a:rPr lang="en-US" dirty="0"/>
             </a:br>
             <a:r>
               <a:rPr lang="en-US" sz="2000" dirty="0"/>
@@ -7489,10 +7488,14 @@
             </a:r>
             <a:r>
               <a:rPr lang="en-US" dirty="0"/>
-              <a:t>, James M. </a:t>
-            </a:r>
-            <a:r>
-              <a:rPr lang="en-US" dirty="0" err="1"/>
+              <a:t>, </a:t>
+            </a:r>
+            <a:r>
+              <a:rPr lang="en-US" u="sng" dirty="0"/>
+              <a:t>James M. </a:t>
+            </a:r>
+            <a:r>
+              <a:rPr lang="en-US" u="sng" dirty="0" err="1"/>
               <a:t>Willenbring</a:t>
             </a:r>
             <a:br>
@@ -9998,355 +10001,6 @@
         <p14:creationId xmlns:p14="http://schemas.microsoft.com/office/powerpoint/2010/main" val="1909130501"/>
       </p:ext>
     </p:extLst>
-  </p:cSld>
-  <p:clrMapOvr>
-    <a:masterClrMapping/>
-  </p:clrMapOvr>
-</p:sld>
-</file>
-
-<file path=ppt/slides/slide14.xml><?xml version="1.0" encoding="utf-8"?>
-<p:sld xmlns:a="http://schemas.openxmlformats.org/drawingml/2006/main" xmlns:r="http://schemas.openxmlformats.org/officeDocument/2006/relationships" xmlns:p="http://schemas.openxmlformats.org/presentationml/2006/main">
-  <p:cSld>
-    <p:spTree>
-      <p:nvGrpSpPr>
-        <p:cNvPr id="1" name=""/>
-        <p:cNvGrpSpPr/>
-        <p:nvPr/>
-      </p:nvGrpSpPr>
-      <p:grpSpPr>
-        <a:xfrm>
-          <a:off x="0" y="0"/>
-          <a:ext cx="0" cy="0"/>
-          <a:chOff x="0" y="0"/>
-          <a:chExt cx="0" cy="0"/>
-        </a:xfrm>
-      </p:grpSpPr>
-      <p:sp>
-        <p:nvSpPr>
-          <p:cNvPr id="2" name="Title 1"/>
-          <p:cNvSpPr>
-            <a:spLocks noGrp="1"/>
-          </p:cNvSpPr>
-          <p:nvPr>
-            <p:ph type="title"/>
-          </p:nvPr>
-        </p:nvSpPr>
-        <p:spPr>
-          <a:xfrm>
-            <a:off x="300464" y="263925"/>
-            <a:ext cx="11372473" cy="510909"/>
-          </a:xfrm>
-        </p:spPr>
-        <p:txBody>
-          <a:bodyPr/>
-          <a:lstStyle/>
-          <a:p>
-            <a:r>
-              <a:rPr lang="en-US" dirty="0">
-                <a:uFillTx/>
-              </a:rPr>
-              <a:t>Other Resources</a:t>
-            </a:r>
-          </a:p>
-        </p:txBody>
-      </p:sp>
-      <p:sp>
-        <p:nvSpPr>
-          <p:cNvPr id="3" name="Content Placeholder 2"/>
-          <p:cNvSpPr>
-            <a:spLocks noGrp="1"/>
-          </p:cNvSpPr>
-          <p:nvPr>
-            <p:ph idx="1"/>
-          </p:nvPr>
-        </p:nvSpPr>
-        <p:spPr>
-          <a:xfrm>
-            <a:off x="155215" y="794919"/>
-            <a:ext cx="7652569" cy="4047778"/>
-          </a:xfrm>
-        </p:spPr>
-        <p:txBody>
-          <a:bodyPr/>
-          <a:lstStyle/>
-          <a:p>
-            <a:r>
-              <a:rPr lang="en-US" sz="2400" b="1" dirty="0">
-                <a:uFillTx/>
-              </a:rPr>
-              <a:t>The Agile Samurai: How Agile Masters Deliver Great Software (Pragmatic Programmers), </a:t>
-            </a:r>
-            <a:r>
-              <a:rPr lang="en-US" sz="2400" dirty="0">
-                <a:uFillTx/>
-              </a:rPr>
-              <a:t>Jonathan Rasmusson.  </a:t>
-            </a:r>
-          </a:p>
-          <a:p>
-            <a:pPr lvl="1">
-              <a:spcBef>
-                <a:spcPts val="200"/>
-              </a:spcBef>
-            </a:pPr>
-            <a:r>
-              <a:rPr lang="en-US" sz="2000" dirty="0">
-                <a:uFillTx/>
-                <a:hlinkClick r:id="rId2"/>
-              </a:rPr>
-              <a:t>http://a.co/eUGIe95</a:t>
-            </a:r>
-            <a:endParaRPr lang="en-US" sz="2000" dirty="0">
-              <a:uFillTx/>
-            </a:endParaRPr>
-          </a:p>
-          <a:p>
-            <a:pPr lvl="1">
-              <a:spcBef>
-                <a:spcPts val="200"/>
-              </a:spcBef>
-            </a:pPr>
-            <a:r>
-              <a:rPr lang="en-US" sz="2000" dirty="0">
-                <a:uFillTx/>
-              </a:rPr>
-              <a:t>Excellent, readable book on Agile methodologies.</a:t>
-            </a:r>
-          </a:p>
-          <a:p>
-            <a:pPr lvl="1">
-              <a:spcBef>
-                <a:spcPts val="200"/>
-              </a:spcBef>
-            </a:pPr>
-            <a:r>
-              <a:rPr lang="en-US" sz="2000" i="1" dirty="0">
-                <a:uFillTx/>
-              </a:rPr>
-              <a:t>Also available on Audible.</a:t>
-            </a:r>
-          </a:p>
-          <a:p>
-            <a:r>
-              <a:rPr lang="en-US" sz="2400" b="1" dirty="0">
-                <a:uFillTx/>
-              </a:rPr>
-              <a:t>Code Complete: A Practical Handbook of Software Construction,</a:t>
-            </a:r>
-            <a:r>
-              <a:rPr lang="en-US" sz="2400" dirty="0">
-                <a:uFillTx/>
-              </a:rPr>
-              <a:t> Steve McConnell.</a:t>
-            </a:r>
-          </a:p>
-          <a:p>
-            <a:pPr lvl="1">
-              <a:spcBef>
-                <a:spcPts val="200"/>
-              </a:spcBef>
-            </a:pPr>
-            <a:r>
-              <a:rPr lang="en-US" sz="2000" dirty="0">
-                <a:uFillTx/>
-                <a:hlinkClick r:id="rId3"/>
-              </a:rPr>
-              <a:t>http://a.co/eEgWvKj</a:t>
-            </a:r>
-            <a:r>
-              <a:rPr lang="en-US" sz="2000" dirty="0">
-                <a:uFillTx/>
-              </a:rPr>
-              <a:t>   </a:t>
-            </a:r>
-          </a:p>
-          <a:p>
-            <a:pPr lvl="1">
-              <a:spcBef>
-                <a:spcPts val="200"/>
-              </a:spcBef>
-            </a:pPr>
-            <a:r>
-              <a:rPr lang="en-US" sz="2000" dirty="0">
-                <a:uFillTx/>
-              </a:rPr>
-              <a:t>Great text on software.</a:t>
-            </a:r>
-          </a:p>
-          <a:p>
-            <a:pPr lvl="1">
-              <a:spcBef>
-                <a:spcPts val="200"/>
-              </a:spcBef>
-            </a:pPr>
-            <a:r>
-              <a:rPr lang="en-US" sz="2000" i="1" dirty="0">
-                <a:uFillTx/>
-              </a:rPr>
-              <a:t>Construx website has large collection of content.</a:t>
-            </a:r>
-          </a:p>
-          <a:p>
-            <a:r>
-              <a:rPr lang="en-US" sz="2400" b="1" dirty="0">
-                <a:uFillTx/>
-              </a:rPr>
-              <a:t>More Effective Agile: A Roadmap for Software Leaders, </a:t>
-            </a:r>
-            <a:r>
-              <a:rPr lang="en-US" sz="2400" dirty="0">
-                <a:uFillTx/>
-              </a:rPr>
-              <a:t>Steve McConnell.</a:t>
-            </a:r>
-          </a:p>
-          <a:p>
-            <a:pPr lvl="1">
-              <a:spcBef>
-                <a:spcPts val="200"/>
-              </a:spcBef>
-            </a:pPr>
-            <a:r>
-              <a:rPr lang="en-US" sz="2000" dirty="0">
-                <a:uFillTx/>
-                <a:hlinkClick r:id="rId4"/>
-              </a:rPr>
-              <a:t>http://a.co/22EPvt6</a:t>
-            </a:r>
-            <a:endParaRPr lang="en-US" sz="2000" dirty="0">
-              <a:uFillTx/>
-            </a:endParaRPr>
-          </a:p>
-          <a:p>
-            <a:pPr lvl="1">
-              <a:spcBef>
-                <a:spcPts val="200"/>
-              </a:spcBef>
-            </a:pPr>
-            <a:r>
-              <a:rPr lang="en-US" sz="2000" dirty="0">
-                <a:uFillTx/>
-              </a:rPr>
-              <a:t>New: A realistic view of Agile effectiveness with great advice for project leaders.</a:t>
-            </a:r>
-          </a:p>
-        </p:txBody>
-      </p:sp>
-      <p:pic>
-        <p:nvPicPr>
-          <p:cNvPr id="1026" name="Picture 2" descr="https://images-na.ssl-images-amazon.com/images/I/41m2-97wrvL._SX415_BO1,204,203,200_.jpg"/>
-          <p:cNvPicPr>
-            <a:picLocks noChangeAspect="1" noChangeArrowheads="1"/>
-          </p:cNvPicPr>
-          <p:nvPr/>
-        </p:nvPicPr>
-        <p:blipFill>
-          <a:blip r:embed="rId5"/>
-          <a:srcRect/>
-          <a:stretch>
-            <a:fillRect/>
-          </a:stretch>
-        </p:blipFill>
-        <p:spPr bwMode="auto">
-          <a:xfrm>
-            <a:off x="9447740" y="243840"/>
-            <a:ext cx="2287829" cy="2743200"/>
-          </a:xfrm>
-          <a:prstGeom prst="rect">
-            <a:avLst/>
-          </a:prstGeom>
-          <a:noFill/>
-          <a:ln>
-            <a:solidFill>
-              <a:schemeClr val="tx1"/>
-            </a:solidFill>
-          </a:ln>
-          <a:effectLst>
-            <a:outerShdw blurRad="50800" dist="38100" dir="2700000" algn="tl" rotWithShape="0">
-              <a:srgbClr val="000000">
-                <a:alpha val="40000"/>
-              </a:srgbClr>
-            </a:outerShdw>
-          </a:effectLst>
-        </p:spPr>
-      </p:pic>
-      <p:pic>
-        <p:nvPicPr>
-          <p:cNvPr id="1028" name="Picture 4" descr="https://images-na.ssl-images-amazon.com/images/I/51FUYfErOXL._SX408_BO1,204,203,200_.jpg"/>
-          <p:cNvPicPr>
-            <a:picLocks noChangeAspect="1" noChangeArrowheads="1"/>
-          </p:cNvPicPr>
-          <p:nvPr/>
-        </p:nvPicPr>
-        <p:blipFill>
-          <a:blip r:embed="rId6"/>
-          <a:srcRect/>
-          <a:stretch>
-            <a:fillRect/>
-          </a:stretch>
-        </p:blipFill>
-        <p:spPr bwMode="auto">
-          <a:xfrm>
-            <a:off x="8018329" y="1961966"/>
-            <a:ext cx="2249424" cy="2743200"/>
-          </a:xfrm>
-          <a:prstGeom prst="rect">
-            <a:avLst/>
-          </a:prstGeom>
-          <a:noFill/>
-          <a:ln>
-            <a:solidFill>
-              <a:schemeClr val="tx1"/>
-            </a:solidFill>
-          </a:ln>
-          <a:effectLst>
-            <a:outerShdw blurRad="50800" dist="38100" dir="2700000" algn="tl" rotWithShape="0">
-              <a:srgbClr val="000000">
-                <a:alpha val="40000"/>
-              </a:srgbClr>
-            </a:outerShdw>
-          </a:effectLst>
-        </p:spPr>
-      </p:pic>
-      <p:pic>
-        <p:nvPicPr>
-          <p:cNvPr id="4" name="Picture 3">
-            <a:extLst>
-              <a:ext uri="{FF2B5EF4-FFF2-40B4-BE49-F238E27FC236}">
-                <a16:creationId xmlns:a16="http://schemas.microsoft.com/office/drawing/2014/main" id="{07A68989-FE78-3943-AEAE-C60E93BCC29F}"/>
-              </a:ext>
-            </a:extLst>
-          </p:cNvPr>
-          <p:cNvPicPr>
-            <a:picLocks noChangeAspect="1"/>
-          </p:cNvPicPr>
-          <p:nvPr/>
-        </p:nvPicPr>
-        <p:blipFill>
-          <a:blip r:embed="rId7"/>
-          <a:stretch>
-            <a:fillRect/>
-          </a:stretch>
-        </p:blipFill>
-        <p:spPr>
-          <a:xfrm>
-            <a:off x="9868829" y="2992829"/>
-            <a:ext cx="1954236" cy="3009765"/>
-          </a:xfrm>
-          <a:prstGeom prst="rect">
-            <a:avLst/>
-          </a:prstGeom>
-          <a:effectLst>
-            <a:outerShdw blurRad="50800" dist="38100" dir="18900000" algn="bl" rotWithShape="0">
-              <a:prstClr val="black">
-                <a:alpha val="40000"/>
-              </a:prstClr>
-            </a:outerShdw>
-          </a:effectLst>
-        </p:spPr>
-      </p:pic>
-    </p:spTree>
   </p:cSld>
   <p:clrMapOvr>
     <a:masterClrMapping/>

--- a/05.5-quick-review.pptx
+++ b/05.5-quick-review.pptx
@@ -293,7 +293,7 @@
               <a:rPr lang="en-US" smtClean="0">
                 <a:uFillTx/>
               </a:rPr>
-              <a:t>7/30/20</a:t>
+              <a:t>8/3/20</a:t>
             </a:fld>
             <a:endParaRPr lang="en-US" dirty="0">
               <a:uFillTx/>
@@ -478,7 +478,7 @@
               <a:rPr lang="en-US" smtClean="0">
                 <a:uFillTx/>
               </a:rPr>
-              <a:t>7/30/20</a:t>
+              <a:t>8/3/20</a:t>
             </a:fld>
             <a:endParaRPr lang="en-US" dirty="0">
               <a:uFillTx/>
@@ -10270,7 +10270,7 @@
             </a:pPr>
             <a:r>
               <a:rPr lang="en-US" sz="1600" dirty="0"/>
-              <a:t>This work was performed in part at Sandia National Laboratories. Sandia National Laboratories is a multi-mission laboratory managed and operated by National Technology and Engineering Solutions of Sandia, LLC., a wholly owned subsidiary of Honeywell International, Inc., for the U.S. Department of Energy’s National Nuclear Security Administration under contract DE-NA0003525. SAND NO SAND2017-5474 PE</a:t>
+              <a:t>This work was performed in part at Sandia National Laboratories. Sandia National Laboratories is a multi-mission laboratory managed and operated by National Technology and Engineering Solutions of Sandia, LLC., a wholly owned subsidiary of Honeywell International, Inc., for the U.S. Department of Energy’s National Nuclear Security Administration under contract DE-NA0003525. SAND NO SAND2020-7957 PE</a:t>
             </a:r>
           </a:p>
         </p:txBody>
@@ -10462,7 +10462,22 @@
           <a:bodyPr/>
           <a:lstStyle/>
           <a:p>
-            <a:endParaRPr lang="en-US" dirty="0"/>
+            <a:r>
+              <a:rPr lang="en-US" dirty="0"/>
+              <a:t>Definition of Done</a:t>
+            </a:r>
+          </a:p>
+          <a:p>
+            <a:r>
+              <a:rPr lang="en-US" dirty="0"/>
+              <a:t>Refining Issues</a:t>
+            </a:r>
+          </a:p>
+          <a:p>
+            <a:r>
+              <a:rPr lang="en-US" dirty="0"/>
+              <a:t>Agile Estimation</a:t>
+            </a:r>
           </a:p>
         </p:txBody>
       </p:sp>
